--- a/audiolibjs.pptx
+++ b/audiolibjs.pptx
@@ -295,7 +295,7 @@
           <a:p>
             <a:fld id="{C9057BEB-3E64-4296-9438-3A5635DAC443}" type="datetimeFigureOut">
               <a:rPr lang="en-US" smtClean="0"/>
-              <a:t>2/8/2012</a:t>
+              <a:t>2/10/2012</a:t>
             </a:fld>
             <a:endParaRPr lang="en-US"/>
           </a:p>
@@ -465,7 +465,7 @@
           <a:p>
             <a:fld id="{C9057BEB-3E64-4296-9438-3A5635DAC443}" type="datetimeFigureOut">
               <a:rPr lang="en-US" smtClean="0"/>
-              <a:t>2/8/2012</a:t>
+              <a:t>2/10/2012</a:t>
             </a:fld>
             <a:endParaRPr lang="en-US"/>
           </a:p>
@@ -645,7 +645,7 @@
           <a:p>
             <a:fld id="{C9057BEB-3E64-4296-9438-3A5635DAC443}" type="datetimeFigureOut">
               <a:rPr lang="en-US" smtClean="0"/>
-              <a:t>2/8/2012</a:t>
+              <a:t>2/10/2012</a:t>
             </a:fld>
             <a:endParaRPr lang="en-US"/>
           </a:p>
@@ -815,7 +815,7 @@
           <a:p>
             <a:fld id="{C9057BEB-3E64-4296-9438-3A5635DAC443}" type="datetimeFigureOut">
               <a:rPr lang="en-US" smtClean="0"/>
-              <a:t>2/8/2012</a:t>
+              <a:t>2/10/2012</a:t>
             </a:fld>
             <a:endParaRPr lang="en-US"/>
           </a:p>
@@ -1061,7 +1061,7 @@
           <a:p>
             <a:fld id="{C9057BEB-3E64-4296-9438-3A5635DAC443}" type="datetimeFigureOut">
               <a:rPr lang="en-US" smtClean="0"/>
-              <a:t>2/8/2012</a:t>
+              <a:t>2/10/2012</a:t>
             </a:fld>
             <a:endParaRPr lang="en-US"/>
           </a:p>
@@ -1349,7 +1349,7 @@
           <a:p>
             <a:fld id="{C9057BEB-3E64-4296-9438-3A5635DAC443}" type="datetimeFigureOut">
               <a:rPr lang="en-US" smtClean="0"/>
-              <a:t>2/8/2012</a:t>
+              <a:t>2/10/2012</a:t>
             </a:fld>
             <a:endParaRPr lang="en-US"/>
           </a:p>
@@ -1776,7 +1776,7 @@
           <a:p>
             <a:fld id="{C9057BEB-3E64-4296-9438-3A5635DAC443}" type="datetimeFigureOut">
               <a:rPr lang="en-US" smtClean="0"/>
-              <a:t>2/8/2012</a:t>
+              <a:t>2/10/2012</a:t>
             </a:fld>
             <a:endParaRPr lang="en-US"/>
           </a:p>
@@ -1894,7 +1894,7 @@
           <a:p>
             <a:fld id="{C9057BEB-3E64-4296-9438-3A5635DAC443}" type="datetimeFigureOut">
               <a:rPr lang="en-US" smtClean="0"/>
-              <a:t>2/8/2012</a:t>
+              <a:t>2/10/2012</a:t>
             </a:fld>
             <a:endParaRPr lang="en-US"/>
           </a:p>
@@ -1989,7 +1989,7 @@
           <a:p>
             <a:fld id="{C9057BEB-3E64-4296-9438-3A5635DAC443}" type="datetimeFigureOut">
               <a:rPr lang="en-US" smtClean="0"/>
-              <a:t>2/8/2012</a:t>
+              <a:t>2/10/2012</a:t>
             </a:fld>
             <a:endParaRPr lang="en-US"/>
           </a:p>
@@ -2266,7 +2266,7 @@
           <a:p>
             <a:fld id="{C9057BEB-3E64-4296-9438-3A5635DAC443}" type="datetimeFigureOut">
               <a:rPr lang="en-US" smtClean="0"/>
-              <a:t>2/8/2012</a:t>
+              <a:t>2/10/2012</a:t>
             </a:fld>
             <a:endParaRPr lang="en-US"/>
           </a:p>
@@ -2519,7 +2519,7 @@
           <a:p>
             <a:fld id="{C9057BEB-3E64-4296-9438-3A5635DAC443}" type="datetimeFigureOut">
               <a:rPr lang="en-US" smtClean="0"/>
-              <a:t>2/8/2012</a:t>
+              <a:t>2/10/2012</a:t>
             </a:fld>
             <a:endParaRPr lang="en-US"/>
           </a:p>
@@ -2735,7 +2735,7 @@
           <a:p>
             <a:fld id="{C9057BEB-3E64-4296-9438-3A5635DAC443}" type="datetimeFigureOut">
               <a:rPr lang="en-US" smtClean="0"/>
-              <a:t>2/8/2012</a:t>
+              <a:t>2/10/2012</a:t>
             </a:fld>
             <a:endParaRPr lang="en-US"/>
           </a:p>
@@ -3554,8 +3554,8 @@
         </p:blipFill>
         <p:spPr>
           <a:xfrm>
-            <a:off x="304800" y="209550"/>
-            <a:ext cx="3113056" cy="4667306"/>
+            <a:off x="762000" y="285750"/>
+            <a:ext cx="2998663" cy="4495800"/>
           </a:xfrm>
           <a:prstGeom prst="rect">
             <a:avLst/>
@@ -3933,6 +3933,14 @@
 <file path=ppt/slides/slide8.xml><?xml version="1.0" encoding="utf-8"?>
 <p:sld xmlns:a="http://schemas.openxmlformats.org/drawingml/2006/main" xmlns:r="http://schemas.openxmlformats.org/officeDocument/2006/relationships" xmlns:p="http://schemas.openxmlformats.org/presentationml/2006/main">
   <p:cSld>
+    <p:bg>
+      <p:bgPr>
+        <a:solidFill>
+          <a:srgbClr val="13120B"/>
+        </a:solidFill>
+        <a:effectLst/>
+      </p:bgPr>
+    </p:bg>
     <p:spTree>
       <p:nvGrpSpPr>
         <p:cNvPr id="1" name=""/>
